--- a/Princípios e Fundamentos da LGPD.pptx
+++ b/Princípios e Fundamentos da LGPD.pptx
@@ -8,6 +8,9 @@
     <p:sldId id="256" r:id="rId2"/>
     <p:sldId id="257" r:id="rId3"/>
     <p:sldId id="258" r:id="rId4"/>
+    <p:sldId id="259" r:id="rId5"/>
+    <p:sldId id="260" r:id="rId6"/>
+    <p:sldId id="261" r:id="rId7"/>
   </p:sldIdLst>
   <p:sldSz cx="12192000" cy="6858000"/>
   <p:notesSz cx="6858000" cy="9144000"/>
@@ -106,7 +109,220 @@
       </a:defRPr>
     </a:lvl9pPr>
   </p:defaultTextStyle>
+  <p:extLst>
+    <p:ext uri="{EFAFB233-063F-42B5-8137-9DF3F51BA10A}">
+      <p15:sldGuideLst xmlns:p15="http://schemas.microsoft.com/office/powerpoint/2012/main"/>
+    </p:ext>
+  </p:extLst>
 </p:presentation>
+</file>
+
+<file path=ppt/changesInfos/changesInfo1.xml><?xml version="1.0" encoding="utf-8"?>
+<pc:chgInfo xmlns:a="http://schemas.openxmlformats.org/drawingml/2006/main" xmlns:r="http://schemas.openxmlformats.org/officeDocument/2006/relationships" xmlns:ac="http://schemas.microsoft.com/office/drawing/2013/main/command" xmlns:pc="http://schemas.microsoft.com/office/powerpoint/2013/main/command">
+  <pc:docChgLst>
+    <pc:chgData name="Wesllen" userId="3bae813f-7e9e-4055-a58a-cf1bbba2cf46" providerId="ADAL" clId="{800BA822-3A85-4878-855B-5C7CC1528A73}"/>
+    <pc:docChg chg="custSel addSld delSld modSld sldOrd">
+      <pc:chgData name="Wesllen" userId="3bae813f-7e9e-4055-a58a-cf1bbba2cf46" providerId="ADAL" clId="{800BA822-3A85-4878-855B-5C7CC1528A73}" dt="2024-04-11T14:20:51.341" v="166" actId="14100"/>
+      <pc:docMkLst>
+        <pc:docMk/>
+      </pc:docMkLst>
+      <pc:sldChg chg="modSp mod">
+        <pc:chgData name="Wesllen" userId="3bae813f-7e9e-4055-a58a-cf1bbba2cf46" providerId="ADAL" clId="{800BA822-3A85-4878-855B-5C7CC1528A73}" dt="2024-04-11T14:20:51.341" v="166" actId="14100"/>
+        <pc:sldMkLst>
+          <pc:docMk/>
+          <pc:sldMk cId="345263122" sldId="257"/>
+        </pc:sldMkLst>
+        <pc:spChg chg="mod">
+          <ac:chgData name="Wesllen" userId="3bae813f-7e9e-4055-a58a-cf1bbba2cf46" providerId="ADAL" clId="{800BA822-3A85-4878-855B-5C7CC1528A73}" dt="2024-04-11T14:20:51.341" v="166" actId="14100"/>
+          <ac:spMkLst>
+            <pc:docMk/>
+            <pc:sldMk cId="345263122" sldId="257"/>
+            <ac:spMk id="4" creationId="{0A7E8A65-1398-4182-BC39-9695719BE5BF}"/>
+          </ac:spMkLst>
+        </pc:spChg>
+        <pc:spChg chg="mod">
+          <ac:chgData name="Wesllen" userId="3bae813f-7e9e-4055-a58a-cf1bbba2cf46" providerId="ADAL" clId="{800BA822-3A85-4878-855B-5C7CC1528A73}" dt="2024-04-11T14:20:44.287" v="164" actId="1076"/>
+          <ac:spMkLst>
+            <pc:docMk/>
+            <pc:sldMk cId="345263122" sldId="257"/>
+            <ac:spMk id="5" creationId="{59B4E308-13FA-4EF1-BC21-4C8F5657E0E6}"/>
+          </ac:spMkLst>
+        </pc:spChg>
+      </pc:sldChg>
+      <pc:sldChg chg="addSp delSp modSp new mod ord">
+        <pc:chgData name="Wesllen" userId="3bae813f-7e9e-4055-a58a-cf1bbba2cf46" providerId="ADAL" clId="{800BA822-3A85-4878-855B-5C7CC1528A73}" dt="2024-04-11T14:15:00.613" v="55" actId="113"/>
+        <pc:sldMkLst>
+          <pc:docMk/>
+          <pc:sldMk cId="2972909961" sldId="259"/>
+        </pc:sldMkLst>
+        <pc:spChg chg="mod">
+          <ac:chgData name="Wesllen" userId="3bae813f-7e9e-4055-a58a-cf1bbba2cf46" providerId="ADAL" clId="{800BA822-3A85-4878-855B-5C7CC1528A73}" dt="2024-04-11T14:12:38.968" v="27" actId="14100"/>
+          <ac:spMkLst>
+            <pc:docMk/>
+            <pc:sldMk cId="2972909961" sldId="259"/>
+            <ac:spMk id="2" creationId="{75A20D56-5204-4957-8A0E-603F59383820}"/>
+          </ac:spMkLst>
+        </pc:spChg>
+        <pc:spChg chg="del mod">
+          <ac:chgData name="Wesllen" userId="3bae813f-7e9e-4055-a58a-cf1bbba2cf46" providerId="ADAL" clId="{800BA822-3A85-4878-855B-5C7CC1528A73}" dt="2024-04-11T14:12:59.105" v="30"/>
+          <ac:spMkLst>
+            <pc:docMk/>
+            <pc:sldMk cId="2972909961" sldId="259"/>
+            <ac:spMk id="3" creationId="{4235F355-60F6-494B-AE70-4C0433F0FC21}"/>
+          </ac:spMkLst>
+        </pc:spChg>
+        <pc:spChg chg="add mod">
+          <ac:chgData name="Wesllen" userId="3bae813f-7e9e-4055-a58a-cf1bbba2cf46" providerId="ADAL" clId="{800BA822-3A85-4878-855B-5C7CC1528A73}" dt="2024-04-11T14:14:24.574" v="42" actId="113"/>
+          <ac:spMkLst>
+            <pc:docMk/>
+            <pc:sldMk cId="2972909961" sldId="259"/>
+            <ac:spMk id="4" creationId="{3BA47E22-6E9A-4F3A-8BA9-6EF3D1CFC2B7}"/>
+          </ac:spMkLst>
+        </pc:spChg>
+        <pc:spChg chg="add mod">
+          <ac:chgData name="Wesllen" userId="3bae813f-7e9e-4055-a58a-cf1bbba2cf46" providerId="ADAL" clId="{800BA822-3A85-4878-855B-5C7CC1528A73}" dt="2024-04-11T14:15:00.613" v="55" actId="113"/>
+          <ac:spMkLst>
+            <pc:docMk/>
+            <pc:sldMk cId="2972909961" sldId="259"/>
+            <ac:spMk id="5" creationId="{6B5261D7-D8BD-4F17-8496-418856228E79}"/>
+          </ac:spMkLst>
+        </pc:spChg>
+      </pc:sldChg>
+      <pc:sldChg chg="addSp modSp new mod">
+        <pc:chgData name="Wesllen" userId="3bae813f-7e9e-4055-a58a-cf1bbba2cf46" providerId="ADAL" clId="{800BA822-3A85-4878-855B-5C7CC1528A73}" dt="2024-04-11T14:20:26.827" v="163" actId="20577"/>
+        <pc:sldMkLst>
+          <pc:docMk/>
+          <pc:sldMk cId="999168337" sldId="260"/>
+        </pc:sldMkLst>
+        <pc:spChg chg="mod">
+          <ac:chgData name="Wesllen" userId="3bae813f-7e9e-4055-a58a-cf1bbba2cf46" providerId="ADAL" clId="{800BA822-3A85-4878-855B-5C7CC1528A73}" dt="2024-04-11T14:17:36.918" v="131" actId="1076"/>
+          <ac:spMkLst>
+            <pc:docMk/>
+            <pc:sldMk cId="999168337" sldId="260"/>
+            <ac:spMk id="2" creationId="{CDBBE874-6965-4B0C-BF59-3A43FA0556E0}"/>
+          </ac:spMkLst>
+        </pc:spChg>
+        <pc:spChg chg="mod">
+          <ac:chgData name="Wesllen" userId="3bae813f-7e9e-4055-a58a-cf1bbba2cf46" providerId="ADAL" clId="{800BA822-3A85-4878-855B-5C7CC1528A73}" dt="2024-04-11T14:20:26.827" v="163" actId="20577"/>
+          <ac:spMkLst>
+            <pc:docMk/>
+            <pc:sldMk cId="999168337" sldId="260"/>
+            <ac:spMk id="3" creationId="{860CC411-EF3F-44D7-93C5-A2F480781C67}"/>
+          </ac:spMkLst>
+        </pc:spChg>
+        <pc:spChg chg="add mod">
+          <ac:chgData name="Wesllen" userId="3bae813f-7e9e-4055-a58a-cf1bbba2cf46" providerId="ADAL" clId="{800BA822-3A85-4878-855B-5C7CC1528A73}" dt="2024-04-11T14:18:46.922" v="147" actId="5793"/>
+          <ac:spMkLst>
+            <pc:docMk/>
+            <pc:sldMk cId="999168337" sldId="260"/>
+            <ac:spMk id="4" creationId="{B56137E6-B47B-4016-A475-24A2E73B1163}"/>
+          </ac:spMkLst>
+        </pc:spChg>
+      </pc:sldChg>
+      <pc:sldChg chg="addSp delSp modSp new del mod">
+        <pc:chgData name="Wesllen" userId="3bae813f-7e9e-4055-a58a-cf1bbba2cf46" providerId="ADAL" clId="{800BA822-3A85-4878-855B-5C7CC1528A73}" dt="2024-04-11T14:16:29.875" v="84" actId="2696"/>
+        <pc:sldMkLst>
+          <pc:docMk/>
+          <pc:sldMk cId="3881413610" sldId="260"/>
+        </pc:sldMkLst>
+        <pc:spChg chg="add del mod">
+          <ac:chgData name="Wesllen" userId="3bae813f-7e9e-4055-a58a-cf1bbba2cf46" providerId="ADAL" clId="{800BA822-3A85-4878-855B-5C7CC1528A73}" dt="2024-04-11T14:16:08.730" v="75" actId="21"/>
+          <ac:spMkLst>
+            <pc:docMk/>
+            <pc:sldMk cId="3881413610" sldId="260"/>
+            <ac:spMk id="2" creationId="{956C80D0-F48D-44B0-80F5-C1F1C2F766CD}"/>
+          </ac:spMkLst>
+        </pc:spChg>
+        <pc:spChg chg="add del mod">
+          <ac:chgData name="Wesllen" userId="3bae813f-7e9e-4055-a58a-cf1bbba2cf46" providerId="ADAL" clId="{800BA822-3A85-4878-855B-5C7CC1528A73}" dt="2024-04-11T14:15:26.938" v="62"/>
+          <ac:spMkLst>
+            <pc:docMk/>
+            <pc:sldMk cId="3881413610" sldId="260"/>
+            <ac:spMk id="4" creationId="{CA6EB68F-370D-4230-A013-5012247E0F27}"/>
+          </ac:spMkLst>
+        </pc:spChg>
+        <pc:spChg chg="add del mod">
+          <ac:chgData name="Wesllen" userId="3bae813f-7e9e-4055-a58a-cf1bbba2cf46" providerId="ADAL" clId="{800BA822-3A85-4878-855B-5C7CC1528A73}" dt="2024-04-11T14:16:11.465" v="76"/>
+          <ac:spMkLst>
+            <pc:docMk/>
+            <pc:sldMk cId="3881413610" sldId="260"/>
+            <ac:spMk id="6" creationId="{6FEECB74-3F5A-4975-B3C7-C2095B90C2B1}"/>
+          </ac:spMkLst>
+        </pc:spChg>
+        <pc:spChg chg="add mod">
+          <ac:chgData name="Wesllen" userId="3bae813f-7e9e-4055-a58a-cf1bbba2cf46" providerId="ADAL" clId="{800BA822-3A85-4878-855B-5C7CC1528A73}" dt="2024-04-11T14:16:14.876" v="77" actId="1076"/>
+          <ac:spMkLst>
+            <pc:docMk/>
+            <pc:sldMk cId="3881413610" sldId="260"/>
+            <ac:spMk id="7" creationId="{112CA653-D0DF-48F7-9D51-72A46016A3DE}"/>
+          </ac:spMkLst>
+        </pc:spChg>
+        <pc:spChg chg="add del mod">
+          <ac:chgData name="Wesllen" userId="3bae813f-7e9e-4055-a58a-cf1bbba2cf46" providerId="ADAL" clId="{800BA822-3A85-4878-855B-5C7CC1528A73}" dt="2024-04-11T14:16:27.922" v="83"/>
+          <ac:spMkLst>
+            <pc:docMk/>
+            <pc:sldMk cId="3881413610" sldId="260"/>
+            <ac:spMk id="8" creationId="{4A09207E-2D22-41DD-8BC7-9E18DD59C536}"/>
+          </ac:spMkLst>
+        </pc:spChg>
+        <pc:spChg chg="add mod">
+          <ac:chgData name="Wesllen" userId="3bae813f-7e9e-4055-a58a-cf1bbba2cf46" providerId="ADAL" clId="{800BA822-3A85-4878-855B-5C7CC1528A73}" dt="2024-04-11T14:16:24.145" v="81" actId="20577"/>
+          <ac:spMkLst>
+            <pc:docMk/>
+            <pc:sldMk cId="3881413610" sldId="260"/>
+            <ac:spMk id="9" creationId="{9E4658CB-ACB5-4700-BFFD-9DA11509D388}"/>
+          </ac:spMkLst>
+        </pc:spChg>
+      </pc:sldChg>
+      <pc:sldChg chg="addSp delSp modSp new del mod">
+        <pc:chgData name="Wesllen" userId="3bae813f-7e9e-4055-a58a-cf1bbba2cf46" providerId="ADAL" clId="{800BA822-3A85-4878-855B-5C7CC1528A73}" dt="2024-04-11T14:16:56.084" v="93" actId="2696"/>
+        <pc:sldMkLst>
+          <pc:docMk/>
+          <pc:sldMk cId="3893333510" sldId="260"/>
+        </pc:sldMkLst>
+        <pc:spChg chg="del mod">
+          <ac:chgData name="Wesllen" userId="3bae813f-7e9e-4055-a58a-cf1bbba2cf46" providerId="ADAL" clId="{800BA822-3A85-4878-855B-5C7CC1528A73}" dt="2024-04-11T14:16:48.098" v="92"/>
+          <ac:spMkLst>
+            <pc:docMk/>
+            <pc:sldMk cId="3893333510" sldId="260"/>
+            <ac:spMk id="2" creationId="{DD15A587-CE07-4EDE-962D-CF1D96CF4573}"/>
+          </ac:spMkLst>
+        </pc:spChg>
+        <pc:spChg chg="add mod">
+          <ac:chgData name="Wesllen" userId="3bae813f-7e9e-4055-a58a-cf1bbba2cf46" providerId="ADAL" clId="{800BA822-3A85-4878-855B-5C7CC1528A73}" dt="2024-04-11T14:16:48.098" v="92"/>
+          <ac:spMkLst>
+            <pc:docMk/>
+            <pc:sldMk cId="3893333510" sldId="260"/>
+            <ac:spMk id="4" creationId="{F9D6E591-3BF1-4AC9-B15A-DC79C59253B0}"/>
+          </ac:spMkLst>
+        </pc:spChg>
+      </pc:sldChg>
+      <pc:sldChg chg="delSp modSp new mod">
+        <pc:chgData name="Wesllen" userId="3bae813f-7e9e-4055-a58a-cf1bbba2cf46" providerId="ADAL" clId="{800BA822-3A85-4878-855B-5C7CC1528A73}" dt="2024-04-11T14:19:14.547" v="154" actId="255"/>
+        <pc:sldMkLst>
+          <pc:docMk/>
+          <pc:sldMk cId="3481602852" sldId="261"/>
+        </pc:sldMkLst>
+        <pc:spChg chg="mod">
+          <ac:chgData name="Wesllen" userId="3bae813f-7e9e-4055-a58a-cf1bbba2cf46" providerId="ADAL" clId="{800BA822-3A85-4878-855B-5C7CC1528A73}" dt="2024-04-11T14:19:14.547" v="154" actId="255"/>
+          <ac:spMkLst>
+            <pc:docMk/>
+            <pc:sldMk cId="3481602852" sldId="261"/>
+            <ac:spMk id="2" creationId="{FF9B767B-FC9E-445E-B987-688F989A1429}"/>
+          </ac:spMkLst>
+        </pc:spChg>
+        <pc:spChg chg="del">
+          <ac:chgData name="Wesllen" userId="3bae813f-7e9e-4055-a58a-cf1bbba2cf46" providerId="ADAL" clId="{800BA822-3A85-4878-855B-5C7CC1528A73}" dt="2024-04-11T14:19:02.557" v="149" actId="21"/>
+          <ac:spMkLst>
+            <pc:docMk/>
+            <pc:sldMk cId="3481602852" sldId="261"/>
+            <ac:spMk id="3" creationId="{23C50A19-C431-4815-84DD-F6C0F34EA04D}"/>
+          </ac:spMkLst>
+        </pc:spChg>
+      </pc:sldChg>
+    </pc:docChg>
+  </pc:docChgLst>
+</pc:chgInfo>
 </file>
 
 <file path=ppt/slideLayouts/slideLayout1.xml><?xml version="1.0" encoding="utf-8"?>
@@ -5999,8 +6215,8 @@
         </p:nvSpPr>
         <p:spPr bwMode="auto">
           <a:xfrm>
-            <a:off x="329934" y="1226563"/>
-            <a:ext cx="10354999" cy="4001095"/>
+            <a:off x="719667" y="1134230"/>
+            <a:ext cx="8669866" cy="4656970"/>
           </a:xfrm>
           <a:prstGeom prst="rect">
             <a:avLst/>
@@ -6868,7 +7084,7 @@
         </p:nvSpPr>
         <p:spPr>
           <a:xfrm>
-            <a:off x="728133" y="5655733"/>
+            <a:off x="791499" y="6351600"/>
             <a:ext cx="9431867" cy="369332"/>
           </a:xfrm>
           <a:prstGeom prst="rect">
@@ -7227,6 +7443,778 @@
     <p:extLst>
       <p:ext uri="{BB962C8B-B14F-4D97-AF65-F5344CB8AC3E}">
         <p14:creationId xmlns:p14="http://schemas.microsoft.com/office/powerpoint/2010/main" val="635424375"/>
+      </p:ext>
+    </p:extLst>
+  </p:cSld>
+  <p:clrMapOvr>
+    <a:masterClrMapping/>
+  </p:clrMapOvr>
+</p:sld>
+</file>
+
+<file path=ppt/slides/slide4.xml><?xml version="1.0" encoding="utf-8"?>
+<p:sld xmlns:a="http://schemas.openxmlformats.org/drawingml/2006/main" xmlns:r="http://schemas.openxmlformats.org/officeDocument/2006/relationships" xmlns:p="http://schemas.openxmlformats.org/presentationml/2006/main">
+  <p:cSld>
+    <p:spTree>
+      <p:nvGrpSpPr>
+        <p:cNvPr id="1" name=""/>
+        <p:cNvGrpSpPr/>
+        <p:nvPr/>
+      </p:nvGrpSpPr>
+      <p:grpSpPr>
+        <a:xfrm>
+          <a:off x="0" y="0"/>
+          <a:ext cx="0" cy="0"/>
+          <a:chOff x="0" y="0"/>
+          <a:chExt cx="0" cy="0"/>
+        </a:xfrm>
+      </p:grpSpPr>
+      <p:sp>
+        <p:nvSpPr>
+          <p:cNvPr id="2" name="Título 1">
+            <a:extLst>
+              <a:ext uri="{FF2B5EF4-FFF2-40B4-BE49-F238E27FC236}">
+                <a16:creationId xmlns:a16="http://schemas.microsoft.com/office/drawing/2014/main" id="{75A20D56-5204-4957-8A0E-603F59383820}"/>
+              </a:ext>
+            </a:extLst>
+          </p:cNvPr>
+          <p:cNvSpPr>
+            <a:spLocks noGrp="1"/>
+          </p:cNvSpPr>
+          <p:nvPr>
+            <p:ph type="ctrTitle"/>
+          </p:nvPr>
+        </p:nvSpPr>
+        <p:spPr>
+          <a:xfrm>
+            <a:off x="897467" y="63966"/>
+            <a:ext cx="4588933" cy="1096899"/>
+          </a:xfrm>
+        </p:spPr>
+        <p:txBody>
+          <a:bodyPr/>
+          <a:lstStyle/>
+          <a:p>
+            <a:r>
+              <a:rPr lang="pt-BR" dirty="0"/>
+              <a:t>aplicabilidade</a:t>
+            </a:r>
+          </a:p>
+        </p:txBody>
+      </p:sp>
+      <p:sp>
+        <p:nvSpPr>
+          <p:cNvPr id="4" name="Rectangle 1">
+            <a:extLst>
+              <a:ext uri="{FF2B5EF4-FFF2-40B4-BE49-F238E27FC236}">
+                <a16:creationId xmlns:a16="http://schemas.microsoft.com/office/drawing/2014/main" id="{3BA47E22-6E9A-4F3A-8BA9-6EF3D1CFC2B7}"/>
+              </a:ext>
+            </a:extLst>
+          </p:cNvPr>
+          <p:cNvSpPr>
+            <a:spLocks noGrp="1" noChangeArrowheads="1"/>
+          </p:cNvSpPr>
+          <p:nvPr>
+            <p:ph type="subTitle" idx="1"/>
+          </p:nvPr>
+        </p:nvSpPr>
+        <p:spPr bwMode="auto">
+          <a:xfrm>
+            <a:off x="897467" y="1390261"/>
+            <a:ext cx="7471044" cy="3877985"/>
+          </a:xfrm>
+          <a:prstGeom prst="rect">
+            <a:avLst/>
+          </a:prstGeom>
+          <a:noFill/>
+          <a:ln>
+            <a:noFill/>
+          </a:ln>
+          <a:effectLst/>
+          <a:extLst>
+            <a:ext uri="{909E8E84-426E-40DD-AFC4-6F175D3DCCD1}">
+              <a14:hiddenFill xmlns:a14="http://schemas.microsoft.com/office/drawing/2010/main">
+                <a:solidFill>
+                  <a:schemeClr val="accent1"/>
+                </a:solidFill>
+              </a14:hiddenFill>
+            </a:ext>
+            <a:ext uri="{91240B29-F687-4F45-9708-019B960494DF}">
+              <a14:hiddenLine xmlns:a14="http://schemas.microsoft.com/office/drawing/2010/main" w="9525">
+                <a:solidFill>
+                  <a:schemeClr val="tx1"/>
+                </a:solidFill>
+                <a:miter lim="800000"/>
+                <a:headEnd/>
+                <a:tailEnd/>
+              </a14:hiddenLine>
+            </a:ext>
+            <a:ext uri="{AF507438-7753-43E0-B8FC-AC1667EBCBE1}">
+              <a14:hiddenEffects xmlns:a14="http://schemas.microsoft.com/office/drawing/2010/main">
+                <a:effectLst>
+                  <a:outerShdw dist="35921" dir="2700000" algn="ctr" rotWithShape="0">
+                    <a:schemeClr val="bg2"/>
+                  </a:outerShdw>
+                </a:effectLst>
+              </a14:hiddenEffects>
+            </a:ext>
+          </a:extLst>
+        </p:spPr>
+        <p:txBody>
+          <a:bodyPr vert="horz" wrap="square" lIns="91440" tIns="45720" rIns="91440" bIns="45720" numCol="1" anchor="ctr" anchorCtr="0" compatLnSpc="1">
+            <a:prstTxWarp prst="textNoShape">
+              <a:avLst/>
+            </a:prstTxWarp>
+            <a:spAutoFit/>
+          </a:bodyPr>
+          <a:lstStyle>
+            <a:lvl1pPr eaLnBrk="0" fontAlgn="base" hangingPunct="0">
+              <a:spcBef>
+                <a:spcPct val="0"/>
+              </a:spcBef>
+              <a:spcAft>
+                <a:spcPct val="0"/>
+              </a:spcAft>
+              <a:defRPr>
+                <a:solidFill>
+                  <a:schemeClr val="tx1"/>
+                </a:solidFill>
+                <a:latin typeface="Arial" panose="020B0604020202020204" pitchFamily="34" charset="0"/>
+              </a:defRPr>
+            </a:lvl1pPr>
+            <a:lvl2pPr eaLnBrk="0" fontAlgn="base" hangingPunct="0">
+              <a:spcBef>
+                <a:spcPct val="0"/>
+              </a:spcBef>
+              <a:spcAft>
+                <a:spcPct val="0"/>
+              </a:spcAft>
+              <a:defRPr>
+                <a:solidFill>
+                  <a:schemeClr val="tx1"/>
+                </a:solidFill>
+                <a:latin typeface="Arial" panose="020B0604020202020204" pitchFamily="34" charset="0"/>
+              </a:defRPr>
+            </a:lvl2pPr>
+            <a:lvl3pPr eaLnBrk="0" fontAlgn="base" hangingPunct="0">
+              <a:spcBef>
+                <a:spcPct val="0"/>
+              </a:spcBef>
+              <a:spcAft>
+                <a:spcPct val="0"/>
+              </a:spcAft>
+              <a:defRPr>
+                <a:solidFill>
+                  <a:schemeClr val="tx1"/>
+                </a:solidFill>
+                <a:latin typeface="Arial" panose="020B0604020202020204" pitchFamily="34" charset="0"/>
+              </a:defRPr>
+            </a:lvl3pPr>
+            <a:lvl4pPr eaLnBrk="0" fontAlgn="base" hangingPunct="0">
+              <a:spcBef>
+                <a:spcPct val="0"/>
+              </a:spcBef>
+              <a:spcAft>
+                <a:spcPct val="0"/>
+              </a:spcAft>
+              <a:defRPr>
+                <a:solidFill>
+                  <a:schemeClr val="tx1"/>
+                </a:solidFill>
+                <a:latin typeface="Arial" panose="020B0604020202020204" pitchFamily="34" charset="0"/>
+              </a:defRPr>
+            </a:lvl4pPr>
+            <a:lvl5pPr eaLnBrk="0" fontAlgn="base" hangingPunct="0">
+              <a:spcBef>
+                <a:spcPct val="0"/>
+              </a:spcBef>
+              <a:spcAft>
+                <a:spcPct val="0"/>
+              </a:spcAft>
+              <a:defRPr>
+                <a:solidFill>
+                  <a:schemeClr val="tx1"/>
+                </a:solidFill>
+                <a:latin typeface="Arial" panose="020B0604020202020204" pitchFamily="34" charset="0"/>
+              </a:defRPr>
+            </a:lvl5pPr>
+            <a:lvl6pPr eaLnBrk="0" fontAlgn="base" hangingPunct="0">
+              <a:spcBef>
+                <a:spcPct val="0"/>
+              </a:spcBef>
+              <a:spcAft>
+                <a:spcPct val="0"/>
+              </a:spcAft>
+              <a:defRPr>
+                <a:solidFill>
+                  <a:schemeClr val="tx1"/>
+                </a:solidFill>
+                <a:latin typeface="Arial" panose="020B0604020202020204" pitchFamily="34" charset="0"/>
+              </a:defRPr>
+            </a:lvl6pPr>
+            <a:lvl7pPr eaLnBrk="0" fontAlgn="base" hangingPunct="0">
+              <a:spcBef>
+                <a:spcPct val="0"/>
+              </a:spcBef>
+              <a:spcAft>
+                <a:spcPct val="0"/>
+              </a:spcAft>
+              <a:defRPr>
+                <a:solidFill>
+                  <a:schemeClr val="tx1"/>
+                </a:solidFill>
+                <a:latin typeface="Arial" panose="020B0604020202020204" pitchFamily="34" charset="0"/>
+              </a:defRPr>
+            </a:lvl7pPr>
+            <a:lvl8pPr eaLnBrk="0" fontAlgn="base" hangingPunct="0">
+              <a:spcBef>
+                <a:spcPct val="0"/>
+              </a:spcBef>
+              <a:spcAft>
+                <a:spcPct val="0"/>
+              </a:spcAft>
+              <a:defRPr>
+                <a:solidFill>
+                  <a:schemeClr val="tx1"/>
+                </a:solidFill>
+                <a:latin typeface="Arial" panose="020B0604020202020204" pitchFamily="34" charset="0"/>
+              </a:defRPr>
+            </a:lvl8pPr>
+            <a:lvl9pPr eaLnBrk="0" fontAlgn="base" hangingPunct="0">
+              <a:spcBef>
+                <a:spcPct val="0"/>
+              </a:spcBef>
+              <a:spcAft>
+                <a:spcPct val="0"/>
+              </a:spcAft>
+              <a:defRPr>
+                <a:solidFill>
+                  <a:schemeClr val="tx1"/>
+                </a:solidFill>
+                <a:latin typeface="Arial" panose="020B0604020202020204" pitchFamily="34" charset="0"/>
+              </a:defRPr>
+            </a:lvl9pPr>
+          </a:lstStyle>
+          <a:p>
+            <a:pPr marL="0" marR="0" lvl="0" indent="0" algn="ctr" defTabSz="914400" rtl="0" eaLnBrk="0" fontAlgn="base" latinLnBrk="0" hangingPunct="0">
+              <a:lnSpc>
+                <a:spcPct val="100000"/>
+              </a:lnSpc>
+              <a:spcBef>
+                <a:spcPct val="0"/>
+              </a:spcBef>
+              <a:spcAft>
+                <a:spcPct val="0"/>
+              </a:spcAft>
+              <a:buClrTx/>
+              <a:buSzTx/>
+              <a:buFontTx/>
+              <a:buNone/>
+              <a:tabLst/>
+            </a:pPr>
+            <a:r>
+              <a:rPr kumimoji="0" lang="pt-BR" altLang="pt-BR" b="0" i="0" u="none" strike="noStrike" cap="none" normalizeH="0" baseline="0" dirty="0">
+                <a:ln>
+                  <a:noFill/>
+                </a:ln>
+                <a:solidFill>
+                  <a:schemeClr val="accent5"/>
+                </a:solidFill>
+                <a:effectLst/>
+                <a:latin typeface="Roboto" panose="02000000000000000000" pitchFamily="2" charset="0"/>
+              </a:rPr>
+              <a:t>A LGPD se aplica a </a:t>
+            </a:r>
+            <a:r>
+              <a:rPr kumimoji="0" lang="pt-BR" altLang="pt-BR" b="1" i="0" u="none" strike="noStrike" cap="none" normalizeH="0" baseline="0" dirty="0">
+                <a:ln>
+                  <a:noFill/>
+                </a:ln>
+                <a:solidFill>
+                  <a:schemeClr val="accent5"/>
+                </a:solidFill>
+                <a:effectLst/>
+                <a:latin typeface="Roboto" panose="02000000000000000000" pitchFamily="2" charset="0"/>
+              </a:rPr>
+              <a:t>todas as pessoas físicas ou jurídicas que realizam o tratamento de dados pessoais em território nacional</a:t>
+            </a:r>
+            <a:r>
+              <a:rPr kumimoji="0" lang="pt-BR" altLang="pt-BR" b="0" i="0" u="none" strike="noStrike" cap="none" normalizeH="0" baseline="0" dirty="0">
+                <a:ln>
+                  <a:noFill/>
+                </a:ln>
+                <a:solidFill>
+                  <a:schemeClr val="accent5"/>
+                </a:solidFill>
+                <a:effectLst/>
+                <a:latin typeface="Roboto" panose="02000000000000000000" pitchFamily="2" charset="0"/>
+              </a:rPr>
+              <a:t>. Isso inclui </a:t>
+            </a:r>
+            <a:r>
+              <a:rPr kumimoji="0" lang="pt-BR" altLang="pt-BR" b="1" i="0" u="none" strike="noStrike" cap="none" normalizeH="0" baseline="0" dirty="0">
+                <a:ln>
+                  <a:noFill/>
+                </a:ln>
+                <a:solidFill>
+                  <a:schemeClr val="accent5"/>
+                </a:solidFill>
+                <a:effectLst/>
+                <a:latin typeface="Roboto" panose="02000000000000000000" pitchFamily="2" charset="0"/>
+              </a:rPr>
+              <a:t>empresas, órgãos governamentais, profissionais liberais e até mesmo pessoas físicas que realizam atividades comerciais e coletam informações de terceiros</a:t>
+            </a:r>
+            <a:r>
+              <a:rPr kumimoji="0" lang="pt-BR" altLang="pt-BR" b="0" i="0" u="none" strike="noStrike" cap="none" normalizeH="0" baseline="0" dirty="0">
+                <a:ln>
+                  <a:noFill/>
+                </a:ln>
+                <a:solidFill>
+                  <a:schemeClr val="accent5"/>
+                </a:solidFill>
+                <a:effectLst/>
+                <a:latin typeface="Roboto" panose="02000000000000000000" pitchFamily="2" charset="0"/>
+              </a:rPr>
+              <a:t>.</a:t>
+            </a:r>
+          </a:p>
+          <a:p>
+            <a:pPr marL="0" marR="0" lvl="0" indent="0" algn="ctr" defTabSz="914400" rtl="0" eaLnBrk="0" fontAlgn="base" latinLnBrk="0" hangingPunct="0">
+              <a:lnSpc>
+                <a:spcPct val="100000"/>
+              </a:lnSpc>
+              <a:spcBef>
+                <a:spcPct val="0"/>
+              </a:spcBef>
+              <a:spcAft>
+                <a:spcPct val="0"/>
+              </a:spcAft>
+              <a:buClrTx/>
+              <a:buSzTx/>
+              <a:buFontTx/>
+              <a:buNone/>
+              <a:tabLst/>
+            </a:pPr>
+            <a:endParaRPr kumimoji="0" lang="pt-BR" altLang="pt-BR" b="0" i="0" u="none" strike="noStrike" cap="none" normalizeH="0" baseline="0" dirty="0">
+              <a:ln>
+                <a:noFill/>
+              </a:ln>
+              <a:solidFill>
+                <a:schemeClr val="accent5"/>
+              </a:solidFill>
+              <a:effectLst/>
+              <a:latin typeface="Roboto" panose="02000000000000000000" pitchFamily="2" charset="0"/>
+            </a:endParaRPr>
+          </a:p>
+          <a:p>
+            <a:pPr lvl="0" algn="ctr" defTabSz="914400">
+              <a:buClrTx/>
+              <a:buSzTx/>
+            </a:pPr>
+            <a:r>
+              <a:rPr lang="pt-BR" dirty="0">
+                <a:solidFill>
+                  <a:schemeClr val="accent5"/>
+                </a:solidFill>
+              </a:rPr>
+              <a:t>É importante ressaltar que a </a:t>
+            </a:r>
+            <a:r>
+              <a:rPr lang="pt-BR" b="1" dirty="0">
+                <a:solidFill>
+                  <a:schemeClr val="accent5"/>
+                </a:solidFill>
+              </a:rPr>
+              <a:t>LGPD não faz distinção entre setores ou segmentos.</a:t>
+            </a:r>
+            <a:r>
+              <a:rPr lang="pt-BR" dirty="0">
+                <a:solidFill>
+                  <a:schemeClr val="accent5"/>
+                </a:solidFill>
+              </a:rPr>
+              <a:t> Ela se aplica a todas as áreas de atuação, desde </a:t>
+            </a:r>
+            <a:r>
+              <a:rPr lang="pt-BR" b="1" dirty="0">
+                <a:solidFill>
+                  <a:schemeClr val="accent5"/>
+                </a:solidFill>
+              </a:rPr>
+              <a:t>empresas do ramo tecnológico até pequenos comércios locais. Portanto, independentemente do tamanho ou do segmento de sua empresa, se você lida com dados pessoais, deverá seguir as disposições da LGPD.</a:t>
+            </a:r>
+            <a:endParaRPr kumimoji="0" lang="pt-BR" altLang="pt-BR" b="1" i="0" u="none" strike="noStrike" cap="none" normalizeH="0" baseline="0" dirty="0">
+              <a:ln>
+                <a:noFill/>
+              </a:ln>
+              <a:solidFill>
+                <a:schemeClr val="accent5"/>
+              </a:solidFill>
+              <a:effectLst/>
+            </a:endParaRPr>
+          </a:p>
+          <a:p>
+            <a:pPr marL="0" marR="0" lvl="0" indent="0" algn="ctr" defTabSz="914400" rtl="0" eaLnBrk="0" fontAlgn="base" latinLnBrk="0" hangingPunct="0">
+              <a:lnSpc>
+                <a:spcPct val="100000"/>
+              </a:lnSpc>
+              <a:spcBef>
+                <a:spcPct val="0"/>
+              </a:spcBef>
+              <a:spcAft>
+                <a:spcPct val="0"/>
+              </a:spcAft>
+              <a:buClrTx/>
+              <a:buSzTx/>
+              <a:buFontTx/>
+              <a:buNone/>
+              <a:tabLst/>
+            </a:pPr>
+            <a:br>
+              <a:rPr kumimoji="0" lang="pt-BR" altLang="pt-BR" sz="1200" b="1" i="0" u="none" strike="noStrike" cap="none" normalizeH="0" baseline="0" dirty="0">
+                <a:ln>
+                  <a:noFill/>
+                </a:ln>
+                <a:solidFill>
+                  <a:srgbClr val="51565E"/>
+                </a:solidFill>
+                <a:effectLst/>
+                <a:latin typeface="inherit"/>
+              </a:rPr>
+            </a:br>
+            <a:endParaRPr kumimoji="0" lang="pt-BR" altLang="pt-BR" sz="1800" b="1" i="0" u="none" strike="noStrike" cap="none" normalizeH="0" baseline="0" dirty="0">
+              <a:ln>
+                <a:noFill/>
+              </a:ln>
+              <a:solidFill>
+                <a:schemeClr val="tx1"/>
+              </a:solidFill>
+              <a:effectLst/>
+            </a:endParaRPr>
+          </a:p>
+        </p:txBody>
+      </p:sp>
+      <p:sp>
+        <p:nvSpPr>
+          <p:cNvPr id="5" name="CaixaDeTexto 4">
+            <a:extLst>
+              <a:ext uri="{FF2B5EF4-FFF2-40B4-BE49-F238E27FC236}">
+                <a16:creationId xmlns:a16="http://schemas.microsoft.com/office/drawing/2014/main" id="{6B5261D7-D8BD-4F17-8496-418856228E79}"/>
+              </a:ext>
+            </a:extLst>
+          </p:cNvPr>
+          <p:cNvSpPr txBox="1"/>
+          <p:nvPr/>
+        </p:nvSpPr>
+        <p:spPr>
+          <a:xfrm>
+            <a:off x="1549400" y="5467739"/>
+            <a:ext cx="7112000" cy="646331"/>
+          </a:xfrm>
+          <a:prstGeom prst="rect">
+            <a:avLst/>
+          </a:prstGeom>
+          <a:noFill/>
+        </p:spPr>
+        <p:txBody>
+          <a:bodyPr wrap="square" rtlCol="0">
+            <a:spAutoFit/>
+          </a:bodyPr>
+          <a:lstStyle/>
+          <a:p>
+            <a:r>
+              <a:rPr lang="pt-BR" dirty="0"/>
+              <a:t>Fonte:</a:t>
+            </a:r>
+          </a:p>
+          <a:p>
+            <a:r>
+              <a:rPr lang="pt-BR" b="1" dirty="0">
+                <a:solidFill>
+                  <a:schemeClr val="accent5"/>
+                </a:solidFill>
+              </a:rPr>
+              <a:t>https://reyabogado.com/brasil/quem-pode-aplicar-a-lgpd/</a:t>
+            </a:r>
+          </a:p>
+        </p:txBody>
+      </p:sp>
+    </p:spTree>
+    <p:extLst>
+      <p:ext uri="{BB962C8B-B14F-4D97-AF65-F5344CB8AC3E}">
+        <p14:creationId xmlns:p14="http://schemas.microsoft.com/office/powerpoint/2010/main" val="2972909961"/>
+      </p:ext>
+    </p:extLst>
+  </p:cSld>
+  <p:clrMapOvr>
+    <a:masterClrMapping/>
+  </p:clrMapOvr>
+</p:sld>
+</file>
+
+<file path=ppt/slides/slide5.xml><?xml version="1.0" encoding="utf-8"?>
+<p:sld xmlns:a="http://schemas.openxmlformats.org/drawingml/2006/main" xmlns:r="http://schemas.openxmlformats.org/officeDocument/2006/relationships" xmlns:p="http://schemas.openxmlformats.org/presentationml/2006/main">
+  <p:cSld>
+    <p:spTree>
+      <p:nvGrpSpPr>
+        <p:cNvPr id="1" name=""/>
+        <p:cNvGrpSpPr/>
+        <p:nvPr/>
+      </p:nvGrpSpPr>
+      <p:grpSpPr>
+        <a:xfrm>
+          <a:off x="0" y="0"/>
+          <a:ext cx="0" cy="0"/>
+          <a:chOff x="0" y="0"/>
+          <a:chExt cx="0" cy="0"/>
+        </a:xfrm>
+      </p:grpSpPr>
+      <p:sp>
+        <p:nvSpPr>
+          <p:cNvPr id="2" name="Título 1">
+            <a:extLst>
+              <a:ext uri="{FF2B5EF4-FFF2-40B4-BE49-F238E27FC236}">
+                <a16:creationId xmlns:a16="http://schemas.microsoft.com/office/drawing/2014/main" id="{CDBBE874-6965-4B0C-BF59-3A43FA0556E0}"/>
+              </a:ext>
+            </a:extLst>
+          </p:cNvPr>
+          <p:cNvSpPr>
+            <a:spLocks noGrp="1"/>
+          </p:cNvSpPr>
+          <p:nvPr>
+            <p:ph type="ctrTitle"/>
+          </p:nvPr>
+        </p:nvSpPr>
+        <p:spPr>
+          <a:xfrm>
+            <a:off x="1227667" y="245534"/>
+            <a:ext cx="7766936" cy="1646302"/>
+          </a:xfrm>
+        </p:spPr>
+        <p:txBody>
+          <a:bodyPr/>
+          <a:lstStyle/>
+          <a:p>
+            <a:pPr algn="ctr"/>
+            <a:r>
+              <a:rPr lang="pt-BR" dirty="0"/>
+              <a:t>Exceções para a LGPD</a:t>
+            </a:r>
+          </a:p>
+        </p:txBody>
+      </p:sp>
+      <p:sp>
+        <p:nvSpPr>
+          <p:cNvPr id="3" name="Subtítulo 2">
+            <a:extLst>
+              <a:ext uri="{FF2B5EF4-FFF2-40B4-BE49-F238E27FC236}">
+                <a16:creationId xmlns:a16="http://schemas.microsoft.com/office/drawing/2014/main" id="{860CC411-EF3F-44D7-93C5-A2F480781C67}"/>
+              </a:ext>
+            </a:extLst>
+          </p:cNvPr>
+          <p:cNvSpPr>
+            <a:spLocks noGrp="1"/>
+          </p:cNvSpPr>
+          <p:nvPr>
+            <p:ph type="subTitle" idx="1"/>
+          </p:nvPr>
+        </p:nvSpPr>
+        <p:spPr>
+          <a:xfrm>
+            <a:off x="812801" y="2145833"/>
+            <a:ext cx="8280399" cy="2747900"/>
+          </a:xfrm>
+        </p:spPr>
+        <p:txBody>
+          <a:bodyPr/>
+          <a:lstStyle/>
+          <a:p>
+            <a:pPr algn="l">
+              <a:buFont typeface="Arial" panose="020B0604020202020204" pitchFamily="34" charset="0"/>
+              <a:buChar char="•"/>
+            </a:pPr>
+            <a:r>
+              <a:rPr lang="pt-BR" b="0" i="0" dirty="0">
+                <a:solidFill>
+                  <a:srgbClr val="111111"/>
+                </a:solidFill>
+                <a:effectLst/>
+                <a:latin typeface="Arial" panose="020B0604020202020204" pitchFamily="34" charset="0"/>
+              </a:rPr>
+              <a:t>1. Dados pessoais não identificáveis</a:t>
+            </a:r>
+          </a:p>
+          <a:p>
+            <a:pPr algn="l">
+              <a:buFont typeface="Arial" panose="020B0604020202020204" pitchFamily="34" charset="0"/>
+              <a:buChar char="•"/>
+            </a:pPr>
+            <a:r>
+              <a:rPr lang="pt-BR" b="0" i="0" dirty="0">
+                <a:solidFill>
+                  <a:srgbClr val="111111"/>
+                </a:solidFill>
+                <a:effectLst/>
+                <a:latin typeface="Arial" panose="020B0604020202020204" pitchFamily="34" charset="0"/>
+              </a:rPr>
+              <a:t>2. Uso pessoal ou doméstico</a:t>
+            </a:r>
+          </a:p>
+          <a:p>
+            <a:pPr algn="l">
+              <a:buFont typeface="Arial" panose="020B0604020202020204" pitchFamily="34" charset="0"/>
+              <a:buChar char="•"/>
+            </a:pPr>
+            <a:r>
+              <a:rPr lang="pt-BR" b="0" i="0" dirty="0">
+                <a:solidFill>
+                  <a:srgbClr val="111111"/>
+                </a:solidFill>
+                <a:effectLst/>
+                <a:latin typeface="Arial" panose="020B0604020202020204" pitchFamily="34" charset="0"/>
+              </a:rPr>
+              <a:t>3. Dados tratados para fins exclusivamente jornalísticos, artísticos ou acadêmicos</a:t>
+            </a:r>
+          </a:p>
+          <a:p>
+            <a:pPr algn="l">
+              <a:buFont typeface="Arial" panose="020B0604020202020204" pitchFamily="34" charset="0"/>
+              <a:buChar char="•"/>
+            </a:pPr>
+            <a:r>
+              <a:rPr lang="pt-BR" b="0" i="0" dirty="0">
+                <a:solidFill>
+                  <a:srgbClr val="111111"/>
+                </a:solidFill>
+                <a:effectLst/>
+                <a:latin typeface="Arial" panose="020B0604020202020204" pitchFamily="34" charset="0"/>
+              </a:rPr>
+              <a:t>4. Tratamento de dados realizado por pessoa natural para fins exclusivamente particulares e não econômicos</a:t>
+            </a:r>
+          </a:p>
+          <a:p>
+            <a:pPr algn="l">
+              <a:buFont typeface="Arial" panose="020B0604020202020204" pitchFamily="34" charset="0"/>
+              <a:buChar char="•"/>
+            </a:pPr>
+            <a:r>
+              <a:rPr lang="pt-BR" b="0" i="0" dirty="0">
+                <a:solidFill>
+                  <a:srgbClr val="111111"/>
+                </a:solidFill>
+                <a:effectLst/>
+                <a:latin typeface="Arial" panose="020B0604020202020204" pitchFamily="34" charset="0"/>
+              </a:rPr>
+              <a:t>5. Órgãos de segurança pública e defesa nacional</a:t>
+            </a:r>
+            <a:endParaRPr lang="pt-BR" dirty="0"/>
+          </a:p>
+        </p:txBody>
+      </p:sp>
+      <p:sp>
+        <p:nvSpPr>
+          <p:cNvPr id="4" name="CaixaDeTexto 3">
+            <a:extLst>
+              <a:ext uri="{FF2B5EF4-FFF2-40B4-BE49-F238E27FC236}">
+                <a16:creationId xmlns:a16="http://schemas.microsoft.com/office/drawing/2014/main" id="{B56137E6-B47B-4016-A475-24A2E73B1163}"/>
+              </a:ext>
+            </a:extLst>
+          </p:cNvPr>
+          <p:cNvSpPr txBox="1"/>
+          <p:nvPr/>
+        </p:nvSpPr>
+        <p:spPr>
+          <a:xfrm>
+            <a:off x="787400" y="5393267"/>
+            <a:ext cx="8207203" cy="646331"/>
+          </a:xfrm>
+          <a:prstGeom prst="rect">
+            <a:avLst/>
+          </a:prstGeom>
+          <a:noFill/>
+        </p:spPr>
+        <p:txBody>
+          <a:bodyPr wrap="square" rtlCol="0">
+            <a:spAutoFit/>
+          </a:bodyPr>
+          <a:lstStyle/>
+          <a:p>
+            <a:r>
+              <a:rPr lang="pt-BR" dirty="0"/>
+              <a:t>Fonte:</a:t>
+            </a:r>
+          </a:p>
+          <a:p>
+            <a:r>
+              <a:rPr lang="pt-BR" dirty="0"/>
+              <a:t>https://reyabogado.com/brasil/onde-nao-se-aplica-o-lgpd/</a:t>
+            </a:r>
+          </a:p>
+        </p:txBody>
+      </p:sp>
+    </p:spTree>
+    <p:extLst>
+      <p:ext uri="{BB962C8B-B14F-4D97-AF65-F5344CB8AC3E}">
+        <p14:creationId xmlns:p14="http://schemas.microsoft.com/office/powerpoint/2010/main" val="999168337"/>
+      </p:ext>
+    </p:extLst>
+  </p:cSld>
+  <p:clrMapOvr>
+    <a:masterClrMapping/>
+  </p:clrMapOvr>
+</p:sld>
+</file>
+
+<file path=ppt/slides/slide6.xml><?xml version="1.0" encoding="utf-8"?>
+<p:sld xmlns:a="http://schemas.openxmlformats.org/drawingml/2006/main" xmlns:r="http://schemas.openxmlformats.org/officeDocument/2006/relationships" xmlns:p="http://schemas.openxmlformats.org/presentationml/2006/main">
+  <p:cSld>
+    <p:spTree>
+      <p:nvGrpSpPr>
+        <p:cNvPr id="1" name=""/>
+        <p:cNvGrpSpPr/>
+        <p:nvPr/>
+      </p:nvGrpSpPr>
+      <p:grpSpPr>
+        <a:xfrm>
+          <a:off x="0" y="0"/>
+          <a:ext cx="0" cy="0"/>
+          <a:chOff x="0" y="0"/>
+          <a:chExt cx="0" cy="0"/>
+        </a:xfrm>
+      </p:grpSpPr>
+      <p:sp>
+        <p:nvSpPr>
+          <p:cNvPr id="2" name="Título 1">
+            <a:extLst>
+              <a:ext uri="{FF2B5EF4-FFF2-40B4-BE49-F238E27FC236}">
+                <a16:creationId xmlns:a16="http://schemas.microsoft.com/office/drawing/2014/main" id="{FF9B767B-FC9E-445E-B987-688F989A1429}"/>
+              </a:ext>
+            </a:extLst>
+          </p:cNvPr>
+          <p:cNvSpPr>
+            <a:spLocks noGrp="1"/>
+          </p:cNvSpPr>
+          <p:nvPr>
+            <p:ph type="ctrTitle"/>
+          </p:nvPr>
+        </p:nvSpPr>
+        <p:spPr/>
+        <p:txBody>
+          <a:bodyPr/>
+          <a:lstStyle/>
+          <a:p>
+            <a:pPr algn="ctr"/>
+            <a:r>
+              <a:rPr lang="pt-BR" sz="9600" dirty="0"/>
+              <a:t>FIM</a:t>
+            </a:r>
+          </a:p>
+        </p:txBody>
+      </p:sp>
+    </p:spTree>
+    <p:extLst>
+      <p:ext uri="{BB962C8B-B14F-4D97-AF65-F5344CB8AC3E}">
+        <p14:creationId xmlns:p14="http://schemas.microsoft.com/office/powerpoint/2010/main" val="3481602852"/>
       </p:ext>
     </p:extLst>
   </p:cSld>
